--- a/Ремизов Филипп.pptx
+++ b/Ремизов Филипп.pptx
@@ -115,7 +115,7 @@
   </p:defaultTextStyle>
   <p:extLst>
     <p:ext uri="{EFAFB233-063F-42B5-8137-9DF3F51BA10A}">
-      <p15:sldGuideLst xmlns="" xmlns:p15="http://schemas.microsoft.com/office/powerpoint/2012/main"/>
+      <p15:sldGuideLst xmlns:p15="http://schemas.microsoft.com/office/powerpoint/2012/main" xmlns=""/>
     </p:ext>
   </p:extLst>
 </p:presentation>
@@ -150,7 +150,7 @@
           <a:blip r:embed="rId2" cstate="print">
             <a:extLst>
               <a:ext uri="{28A0092B-C50C-407E-A947-70E740481C1C}">
-                <a14:useLocalDpi xmlns="" xmlns:a14="http://schemas.microsoft.com/office/drawing/2010/main" val="0"/>
+                <a14:useLocalDpi xmlns:a14="http://schemas.microsoft.com/office/drawing/2010/main" xmlns="" val="0"/>
               </a:ext>
             </a:extLst>
           </a:blip>
@@ -289,7 +289,7 @@
           <p:cNvPr id="18" name="Прямоугольник 17">
             <a:extLst>
               <a:ext uri="{FF2B5EF4-FFF2-40B4-BE49-F238E27FC236}">
-                <a16:creationId xmlns="" xmlns:a16="http://schemas.microsoft.com/office/drawing/2014/main" id="{CBC5F2EB-A7EF-7341-95C5-1D35103D9A8D}"/>
+                <a16:creationId xmlns:a16="http://schemas.microsoft.com/office/drawing/2014/main" xmlns="" id="{CBC5F2EB-A7EF-7341-95C5-1D35103D9A8D}"/>
               </a:ext>
             </a:extLst>
           </p:cNvPr>
@@ -540,7 +540,7 @@
     </p:spTree>
     <p:extLst>
       <p:ext uri="{BB962C8B-B14F-4D97-AF65-F5344CB8AC3E}">
-        <p14:creationId xmlns="" xmlns:p14="http://schemas.microsoft.com/office/powerpoint/2010/main" val="2386479882"/>
+        <p14:creationId xmlns:p14="http://schemas.microsoft.com/office/powerpoint/2010/main" xmlns="" val="2386479882"/>
       </p:ext>
     </p:extLst>
   </p:cSld>
@@ -826,7 +826,7 @@
     </p:spTree>
     <p:extLst>
       <p:ext uri="{BB962C8B-B14F-4D97-AF65-F5344CB8AC3E}">
-        <p14:creationId xmlns="" xmlns:p14="http://schemas.microsoft.com/office/powerpoint/2010/main" val="321703384"/>
+        <p14:creationId xmlns:p14="http://schemas.microsoft.com/office/powerpoint/2010/main" xmlns="" val="321703384"/>
       </p:ext>
     </p:extLst>
   </p:cSld>
@@ -1016,7 +1016,7 @@
             <a:fld id="{4583FB6F-ACA5-4987-9D7D-422181772236}" type="datetimeFigureOut">
               <a:rPr lang="ru-RU" smtClean="0"/>
               <a:pPr/>
-              <a:t>22.10.2021</a:t>
+              <a:t>23.10.2021</a:t>
             </a:fld>
             <a:endParaRPr lang="ru-RU"/>
           </a:p>
@@ -1121,7 +1121,7 @@
     </p:spTree>
     <p:extLst>
       <p:ext uri="{BB962C8B-B14F-4D97-AF65-F5344CB8AC3E}">
-        <p14:creationId xmlns="" xmlns:p14="http://schemas.microsoft.com/office/powerpoint/2010/main" val="1988310474"/>
+        <p14:creationId xmlns:p14="http://schemas.microsoft.com/office/powerpoint/2010/main" xmlns="" val="1988310474"/>
       </p:ext>
     </p:extLst>
   </p:cSld>
@@ -1494,7 +1494,7 @@
     </p:spTree>
     <p:extLst>
       <p:ext uri="{BB962C8B-B14F-4D97-AF65-F5344CB8AC3E}">
-        <p14:creationId xmlns="" xmlns:p14="http://schemas.microsoft.com/office/powerpoint/2010/main" val="3153633625"/>
+        <p14:creationId xmlns:p14="http://schemas.microsoft.com/office/powerpoint/2010/main" xmlns="" val="3153633625"/>
       </p:ext>
     </p:extLst>
   </p:cSld>
@@ -1759,7 +1759,7 @@
     </p:spTree>
     <p:extLst>
       <p:ext uri="{BB962C8B-B14F-4D97-AF65-F5344CB8AC3E}">
-        <p14:creationId xmlns="" xmlns:p14="http://schemas.microsoft.com/office/powerpoint/2010/main" val="2018546089"/>
+        <p14:creationId xmlns:p14="http://schemas.microsoft.com/office/powerpoint/2010/main" xmlns="" val="2018546089"/>
       </p:ext>
     </p:extLst>
   </p:cSld>
@@ -1876,7 +1876,7 @@
     </p:spTree>
     <p:extLst>
       <p:ext uri="{BB962C8B-B14F-4D97-AF65-F5344CB8AC3E}">
-        <p14:creationId xmlns="" xmlns:p14="http://schemas.microsoft.com/office/powerpoint/2010/main" val="2210715019"/>
+        <p14:creationId xmlns:p14="http://schemas.microsoft.com/office/powerpoint/2010/main" xmlns="" val="2210715019"/>
       </p:ext>
     </p:extLst>
   </p:cSld>
@@ -1990,7 +1990,7 @@
     </p:spTree>
     <p:extLst>
       <p:ext uri="{BB962C8B-B14F-4D97-AF65-F5344CB8AC3E}">
-        <p14:creationId xmlns="" xmlns:p14="http://schemas.microsoft.com/office/powerpoint/2010/main" val="3370921032"/>
+        <p14:creationId xmlns:p14="http://schemas.microsoft.com/office/powerpoint/2010/main" xmlns="" val="3370921032"/>
       </p:ext>
     </p:extLst>
   </p:cSld>
@@ -2132,7 +2132,7 @@
             <a:fld id="{4583FB6F-ACA5-4987-9D7D-422181772236}" type="datetimeFigureOut">
               <a:rPr lang="ru-RU" smtClean="0"/>
               <a:pPr/>
-              <a:t>22.10.2021</a:t>
+              <a:t>23.10.2021</a:t>
             </a:fld>
             <a:endParaRPr lang="ru-RU"/>
           </a:p>
@@ -2184,7 +2184,7 @@
     </p:spTree>
     <p:extLst>
       <p:ext uri="{BB962C8B-B14F-4D97-AF65-F5344CB8AC3E}">
-        <p14:creationId xmlns="" xmlns:p14="http://schemas.microsoft.com/office/powerpoint/2010/main" val="3033870979"/>
+        <p14:creationId xmlns:p14="http://schemas.microsoft.com/office/powerpoint/2010/main" xmlns="" val="3033870979"/>
       </p:ext>
     </p:extLst>
   </p:cSld>
@@ -2347,7 +2347,7 @@
             <a:fld id="{4583FB6F-ACA5-4987-9D7D-422181772236}" type="datetimeFigureOut">
               <a:rPr lang="ru-RU" smtClean="0"/>
               <a:pPr/>
-              <a:t>22.10.2021</a:t>
+              <a:t>23.10.2021</a:t>
             </a:fld>
             <a:endParaRPr lang="ru-RU"/>
           </a:p>
@@ -2435,7 +2435,7 @@
     </p:spTree>
     <p:extLst>
       <p:ext uri="{BB962C8B-B14F-4D97-AF65-F5344CB8AC3E}">
-        <p14:creationId xmlns="" xmlns:p14="http://schemas.microsoft.com/office/powerpoint/2010/main" val="3875292924"/>
+        <p14:creationId xmlns:p14="http://schemas.microsoft.com/office/powerpoint/2010/main" xmlns="" val="3875292924"/>
       </p:ext>
     </p:extLst>
   </p:cSld>
@@ -3057,13 +3057,20 @@
     </p:spTree>
     <p:extLst>
       <p:ext uri="{BB962C8B-B14F-4D97-AF65-F5344CB8AC3E}">
-        <p14:creationId xmlns="" xmlns:p14="http://schemas.microsoft.com/office/powerpoint/2010/main" val="1725568117"/>
+        <p14:creationId xmlns:p14="http://schemas.microsoft.com/office/powerpoint/2010/main" xmlns="" val="1725568117"/>
       </p:ext>
     </p:extLst>
   </p:cSld>
   <p:clrMapOvr>
     <a:masterClrMapping/>
   </p:clrMapOvr>
+  <p:timing>
+    <p:tnLst>
+      <p:par>
+        <p:cTn id="1" dur="indefinite" restart="never" nodeType="tmRoot"/>
+      </p:par>
+    </p:tnLst>
+  </p:timing>
 </p:sld>
 </file>
 
@@ -3121,7 +3128,7 @@
     </p:spTree>
     <p:extLst>
       <p:ext uri="{BB962C8B-B14F-4D97-AF65-F5344CB8AC3E}">
-        <p14:creationId xmlns="" xmlns:p14="http://schemas.microsoft.com/office/powerpoint/2010/main" val="3907949203"/>
+        <p14:creationId xmlns:p14="http://schemas.microsoft.com/office/powerpoint/2010/main" xmlns="" val="3907949203"/>
       </p:ext>
     </p:extLst>
   </p:cSld>
@@ -3184,7 +3191,7 @@
         <p:spPr/>
         <p:txBody>
           <a:bodyPr>
-            <a:normAutofit fontScale="92500" lnSpcReduction="10000"/>
+            <a:normAutofit fontScale="92500" lnSpcReduction="20000"/>
           </a:bodyPr>
           <a:lstStyle/>
           <a:p>
@@ -3223,8 +3230,13 @@
                   </a:schemeClr>
                 </a:solidFill>
               </a:rPr>
-              <a:t>Высшая Школа </a:t>
-            </a:r>
+              <a:t>Высшая Школа Экономики Прикладная математика и информатика</a:t>
+            </a:r>
+          </a:p>
+          <a:p>
+            <a:pPr>
+              <a:buNone/>
+            </a:pPr>
             <a:r>
               <a:rPr lang="ru-RU" i="1" dirty="0" smtClean="0">
                 <a:solidFill>
@@ -3234,21 +3246,10 @@
                   </a:schemeClr>
                 </a:solidFill>
               </a:rPr>
-              <a:t>Экономики Прикладная математика и информатика</a:t>
-            </a:r>
-            <a:endParaRPr lang="ru-RU" i="1" dirty="0" smtClean="0">
-              <a:solidFill>
-                <a:schemeClr val="tx1">
-                  <a:lumMod val="65000"/>
-                  <a:lumOff val="35000"/>
-                </a:schemeClr>
-              </a:solidFill>
-            </a:endParaRPr>
-          </a:p>
-          <a:p>
-            <a:pPr>
-              <a:buNone/>
-            </a:pPr>
+              <a:t>Лобачевский (ННГУ) Банки и банковское дело</a:t>
+            </a:r>
+          </a:p>
+          <a:p>
             <a:r>
               <a:rPr lang="ru-RU" i="1" dirty="0" smtClean="0">
                 <a:solidFill>
@@ -3258,7 +3259,18 @@
                   </a:schemeClr>
                 </a:solidFill>
               </a:rPr>
-              <a:t>Лобачевский (</a:t>
+              <a:t>9 лет в </a:t>
+            </a:r>
+            <a:r>
+              <a:rPr lang="ru-RU" i="1" dirty="0" err="1" smtClean="0">
+                <a:solidFill>
+                  <a:schemeClr val="tx1">
+                    <a:lumMod val="65000"/>
+                    <a:lumOff val="35000"/>
+                  </a:schemeClr>
+                </a:solidFill>
+              </a:rPr>
+              <a:t>Сбере</a:t>
             </a:r>
             <a:r>
               <a:rPr lang="ru-RU" i="1" dirty="0" smtClean="0">
@@ -3269,7 +3281,18 @@
                   </a:schemeClr>
                 </a:solidFill>
               </a:rPr>
-              <a:t>ННГУ) </a:t>
+              <a:t>, Ведущий специалист, ПЦП ЦК Регулярные сервисы </a:t>
+            </a:r>
+            <a:r>
+              <a:rPr lang="en-US" i="1" dirty="0" smtClean="0">
+                <a:solidFill>
+                  <a:schemeClr val="tx1">
+                    <a:lumMod val="65000"/>
+                    <a:lumOff val="35000"/>
+                  </a:schemeClr>
+                </a:solidFill>
+              </a:rPr>
+              <a:t>MIS</a:t>
             </a:r>
             <a:r>
               <a:rPr lang="ru-RU" i="1" dirty="0" smtClean="0">
@@ -3280,10 +3303,19 @@
                   </a:schemeClr>
                 </a:solidFill>
               </a:rPr>
-              <a:t>Банки и банковское дело</a:t>
-            </a:r>
-          </a:p>
-          <a:p>
+              <a:t>, Отдел сопровождения инструментов, занимаюсь внедрением доработок по процессу </a:t>
+            </a:r>
+            <a:r>
+              <a:rPr lang="en-US" i="1" dirty="0" err="1" smtClean="0">
+                <a:solidFill>
+                  <a:schemeClr val="tx1">
+                    <a:lumMod val="65000"/>
+                    <a:lumOff val="35000"/>
+                  </a:schemeClr>
+                </a:solidFill>
+              </a:rPr>
+              <a:t>DevOps</a:t>
+            </a:r>
             <a:r>
               <a:rPr lang="ru-RU" i="1" dirty="0" smtClean="0">
                 <a:solidFill>
@@ -3293,18 +3325,7 @@
                   </a:schemeClr>
                 </a:solidFill>
               </a:rPr>
-              <a:t>9 лет в </a:t>
-            </a:r>
-            <a:r>
-              <a:rPr lang="ru-RU" i="1" dirty="0" err="1" smtClean="0">
-                <a:solidFill>
-                  <a:schemeClr val="tx1">
-                    <a:lumMod val="65000"/>
-                    <a:lumOff val="35000"/>
-                  </a:schemeClr>
-                </a:solidFill>
-              </a:rPr>
-              <a:t>Сбере</a:t>
+              <a:t>, имею общие знания о системе отчётности, </a:t>
             </a:r>
             <a:r>
               <a:rPr lang="ru-RU" i="1" dirty="0" smtClean="0">
@@ -3315,7 +3336,18 @@
                   </a:schemeClr>
                 </a:solidFill>
               </a:rPr>
-              <a:t>, Ведущий специалист, ПЦП ЦК Регулярные сервисы </a:t>
+              <a:t>имею опыт разработки </a:t>
+            </a:r>
+            <a:r>
+              <a:rPr lang="ru-RU" i="1" dirty="0" smtClean="0">
+                <a:solidFill>
+                  <a:schemeClr val="tx1">
+                    <a:lumMod val="65000"/>
+                    <a:lumOff val="35000"/>
+                  </a:schemeClr>
+                </a:solidFill>
+              </a:rPr>
+              <a:t>на </a:t>
             </a:r>
             <a:r>
               <a:rPr lang="en-US" i="1" dirty="0" smtClean="0">
@@ -3326,7 +3358,7 @@
                   </a:schemeClr>
                 </a:solidFill>
               </a:rPr>
-              <a:t>MIS</a:t>
+              <a:t>MSSQL</a:t>
             </a:r>
             <a:r>
               <a:rPr lang="ru-RU" i="1" dirty="0" smtClean="0">
@@ -3337,18 +3369,18 @@
                   </a:schemeClr>
                 </a:solidFill>
               </a:rPr>
-              <a:t>, Отдел сопровождения инструментов, занимаюсь внедрением доработок по процессу </a:t>
-            </a:r>
-            <a:r>
-              <a:rPr lang="en-US" i="1" dirty="0" err="1" smtClean="0">
-                <a:solidFill>
-                  <a:schemeClr val="tx1">
-                    <a:lumMod val="65000"/>
-                    <a:lumOff val="35000"/>
-                  </a:schemeClr>
-                </a:solidFill>
-              </a:rPr>
-              <a:t>DevOps</a:t>
+              <a:t> (</a:t>
+            </a:r>
+            <a:r>
+              <a:rPr lang="en-US" i="1" dirty="0" smtClean="0">
+                <a:solidFill>
+                  <a:schemeClr val="tx1">
+                    <a:lumMod val="65000"/>
+                    <a:lumOff val="35000"/>
+                  </a:schemeClr>
+                </a:solidFill>
+              </a:rPr>
+              <a:t>Transact SQL</a:t>
             </a:r>
             <a:r>
               <a:rPr lang="ru-RU" i="1" dirty="0" smtClean="0">
@@ -3359,7 +3391,7 @@
                   </a:schemeClr>
                 </a:solidFill>
               </a:rPr>
-              <a:t>, имею общие знания о </a:t>
+              <a:t>) и </a:t>
             </a:r>
             <a:r>
               <a:rPr lang="ru-RU" i="1" dirty="0" smtClean="0">
@@ -3370,7 +3402,18 @@
                   </a:schemeClr>
                 </a:solidFill>
               </a:rPr>
-              <a:t>системе отчётности, </a:t>
+              <a:t>работы с </a:t>
+            </a:r>
+            <a:r>
+              <a:rPr lang="en-US" i="1" dirty="0" smtClean="0">
+                <a:solidFill>
+                  <a:schemeClr val="tx1">
+                    <a:lumMod val="65000"/>
+                    <a:lumOff val="35000"/>
+                  </a:schemeClr>
+                </a:solidFill>
+              </a:rPr>
+              <a:t>Excel</a:t>
             </a:r>
             <a:r>
               <a:rPr lang="ru-RU" i="1" dirty="0" smtClean="0">
@@ -3381,18 +3424,7 @@
                   </a:schemeClr>
                 </a:solidFill>
               </a:rPr>
-              <a:t>немного разрабатываю на </a:t>
-            </a:r>
-            <a:r>
-              <a:rPr lang="en-US" i="1" dirty="0" smtClean="0">
-                <a:solidFill>
-                  <a:schemeClr val="tx1">
-                    <a:lumMod val="65000"/>
-                    <a:lumOff val="35000"/>
-                  </a:schemeClr>
-                </a:solidFill>
-              </a:rPr>
-              <a:t>MSSQL</a:t>
+              <a:t>, </a:t>
             </a:r>
             <a:r>
               <a:rPr lang="ru-RU" i="1" dirty="0" smtClean="0">
@@ -3403,18 +3435,7 @@
                   </a:schemeClr>
                 </a:solidFill>
               </a:rPr>
-              <a:t> (</a:t>
-            </a:r>
-            <a:r>
-              <a:rPr lang="en-US" i="1" dirty="0" smtClean="0">
-                <a:solidFill>
-                  <a:schemeClr val="tx1">
-                    <a:lumMod val="65000"/>
-                    <a:lumOff val="35000"/>
-                  </a:schemeClr>
-                </a:solidFill>
-              </a:rPr>
-              <a:t>Transact SQL</a:t>
+              <a:t>осуществляю процессные </a:t>
             </a:r>
             <a:r>
               <a:rPr lang="ru-RU" i="1" dirty="0" smtClean="0">
@@ -3425,43 +3446,13 @@
                   </a:schemeClr>
                 </a:solidFill>
               </a:rPr>
-              <a:t>), опыт работы с </a:t>
-            </a:r>
-            <a:r>
-              <a:rPr lang="en-US" i="1" dirty="0" smtClean="0">
-                <a:solidFill>
-                  <a:schemeClr val="tx1">
-                    <a:lumMod val="65000"/>
-                    <a:lumOff val="35000"/>
-                  </a:schemeClr>
-                </a:solidFill>
-              </a:rPr>
-              <a:t>Excel</a:t>
-            </a:r>
-            <a:r>
-              <a:rPr lang="ru-RU" i="1" dirty="0" smtClean="0">
-                <a:solidFill>
-                  <a:schemeClr val="tx1">
-                    <a:lumMod val="65000"/>
-                    <a:lumOff val="35000"/>
-                  </a:schemeClr>
-                </a:solidFill>
-              </a:rPr>
-              <a:t>, в основном процессные взаимодействия с коллегами</a:t>
+              <a:t>взаимодействия с коллегами</a:t>
             </a:r>
           </a:p>
           <a:p>
             <a:r>
               <a:rPr lang="ru-RU" dirty="0" smtClean="0"/>
-              <a:t>Тел. </a:t>
-            </a:r>
-            <a:r>
-              <a:rPr lang="ru-RU" dirty="0" smtClean="0"/>
-              <a:t>89867637265; </a:t>
-            </a:r>
-            <a:r>
-              <a:rPr lang="ru-RU" dirty="0" smtClean="0"/>
-              <a:t>почта : </a:t>
+              <a:t>Тел. 89867637265; почта : </a:t>
             </a:r>
             <a:r>
               <a:rPr lang="ru-RU" dirty="0" smtClean="0">
@@ -3491,29 +3482,13 @@
             </a:r>
             <a:r>
               <a:rPr lang="en-US" dirty="0" smtClean="0"/>
-              <a:t> </a:t>
-            </a:r>
-            <a:r>
-              <a:rPr lang="en-US" dirty="0" smtClean="0"/>
-              <a:t>Telegram : </a:t>
+              <a:t> Telegram : </a:t>
             </a:r>
             <a:r>
               <a:rPr lang="en-US" dirty="0" smtClean="0">
                 <a:hlinkClick r:id="rId4"/>
               </a:rPr>
-              <a:t>https</a:t>
-            </a:r>
-            <a:r>
-              <a:rPr lang="en-US" dirty="0" smtClean="0">
-                <a:hlinkClick r:id="rId4"/>
-              </a:rPr>
-              <a:t>://</a:t>
-            </a:r>
-            <a:r>
-              <a:rPr lang="en-US" dirty="0" smtClean="0">
-                <a:hlinkClick r:id="rId4"/>
-              </a:rPr>
-              <a:t>t.me/Philipp_v_Telegramm</a:t>
+              <a:t>https://t.me/Philipp_v_Telegramm</a:t>
             </a:r>
             <a:r>
               <a:rPr lang="en-US" dirty="0" smtClean="0"/>
@@ -3526,13 +3501,20 @@
     </p:spTree>
     <p:extLst>
       <p:ext uri="{BB962C8B-B14F-4D97-AF65-F5344CB8AC3E}">
-        <p14:creationId xmlns="" xmlns:p14="http://schemas.microsoft.com/office/powerpoint/2010/main" val="2355443536"/>
+        <p14:creationId xmlns:p14="http://schemas.microsoft.com/office/powerpoint/2010/main" xmlns="" val="2355443536"/>
       </p:ext>
     </p:extLst>
   </p:cSld>
   <p:clrMapOvr>
     <a:masterClrMapping/>
   </p:clrMapOvr>
+  <p:timing>
+    <p:tnLst>
+      <p:par>
+        <p:cTn id="1" dur="indefinite" restart="never" nodeType="tmRoot"/>
+      </p:par>
+    </p:tnLst>
+  </p:timing>
 </p:sld>
 </file>
 
@@ -3600,18 +3582,7 @@
                   </a:schemeClr>
                 </a:solidFill>
               </a:rPr>
-              <a:t>Анализ и предсказание в области </a:t>
-            </a:r>
-            <a:r>
-              <a:rPr lang="ru-RU" i="1" dirty="0" err="1" smtClean="0">
-                <a:solidFill>
-                  <a:schemeClr val="tx1">
-                    <a:lumMod val="65000"/>
-                    <a:lumOff val="35000"/>
-                  </a:schemeClr>
-                </a:solidFill>
-              </a:rPr>
-              <a:t>зарплатного</a:t>
+              <a:t>Анализ и </a:t>
             </a:r>
             <a:r>
               <a:rPr lang="ru-RU" i="1" dirty="0" smtClean="0">
@@ -3622,7 +3593,7 @@
                   </a:schemeClr>
                 </a:solidFill>
               </a:rPr>
-              <a:t> фонда </a:t>
+              <a:t>предсказание фонда заработной платы работников из </a:t>
             </a:r>
             <a:r>
               <a:rPr lang="en-US" i="1" dirty="0" smtClean="0">
@@ -3633,7 +3604,18 @@
                   </a:schemeClr>
                 </a:solidFill>
               </a:rPr>
-              <a:t>San Francisco</a:t>
+              <a:t>San </a:t>
+            </a:r>
+            <a:r>
+              <a:rPr lang="en-US" i="1" dirty="0" smtClean="0">
+                <a:solidFill>
+                  <a:schemeClr val="tx1">
+                    <a:lumMod val="65000"/>
+                    <a:lumOff val="35000"/>
+                  </a:schemeClr>
+                </a:solidFill>
+              </a:rPr>
+              <a:t>Francisco</a:t>
             </a:r>
             <a:r>
               <a:rPr lang="ru-RU" i="1" dirty="0" smtClean="0">
@@ -3678,7 +3660,7 @@
     </p:spTree>
     <p:extLst>
       <p:ext uri="{BB962C8B-B14F-4D97-AF65-F5344CB8AC3E}">
-        <p14:creationId xmlns="" xmlns:p14="http://schemas.microsoft.com/office/powerpoint/2010/main" val="2020167519"/>
+        <p14:creationId xmlns:p14="http://schemas.microsoft.com/office/powerpoint/2010/main" xmlns="" val="2020167519"/>
       </p:ext>
     </p:extLst>
   </p:cSld>
@@ -3765,10 +3747,8 @@
                   </a:schemeClr>
                 </a:solidFill>
               </a:rPr>
-              <a:t>Построение графиков и общий анализ</a:t>
-            </a:r>
-          </a:p>
-          <a:p>
+              <a:t>Построение графиков и общий </a:t>
+            </a:r>
             <a:r>
               <a:rPr lang="ru-RU" i="1" dirty="0" smtClean="0">
                 <a:solidFill>
@@ -3778,10 +3758,8 @@
                   </a:schemeClr>
                 </a:solidFill>
               </a:rPr>
-              <a:t>Создание модели для получения прогноза на будущий год</a:t>
-            </a:r>
-          </a:p>
-          <a:p>
+              <a:t>анализ данных</a:t>
+            </a:r>
             <a:endParaRPr lang="ru-RU" i="1" dirty="0" smtClean="0">
               <a:solidFill>
                 <a:schemeClr val="tx1">
@@ -3792,6 +3770,51 @@
             </a:endParaRPr>
           </a:p>
           <a:p>
+            <a:r>
+              <a:rPr lang="ru-RU" i="1" dirty="0" smtClean="0">
+                <a:solidFill>
+                  <a:schemeClr val="tx1">
+                    <a:lumMod val="65000"/>
+                    <a:lumOff val="35000"/>
+                  </a:schemeClr>
+                </a:solidFill>
+              </a:rPr>
+              <a:t>Создание модели для получения прогноза на </a:t>
+            </a:r>
+            <a:r>
+              <a:rPr lang="ru-RU" i="1" dirty="0" smtClean="0">
+                <a:solidFill>
+                  <a:schemeClr val="tx1">
+                    <a:lumMod val="65000"/>
+                    <a:lumOff val="35000"/>
+                  </a:schemeClr>
+                </a:solidFill>
+              </a:rPr>
+              <a:t>будущий (2015) </a:t>
+            </a:r>
+            <a:r>
+              <a:rPr lang="ru-RU" i="1" dirty="0" smtClean="0">
+                <a:solidFill>
+                  <a:schemeClr val="tx1">
+                    <a:lumMod val="65000"/>
+                    <a:lumOff val="35000"/>
+                  </a:schemeClr>
+                </a:solidFill>
+              </a:rPr>
+              <a:t>год</a:t>
+            </a:r>
+          </a:p>
+          <a:p>
+            <a:endParaRPr lang="ru-RU" i="1" dirty="0" smtClean="0">
+              <a:solidFill>
+                <a:schemeClr val="tx1">
+                  <a:lumMod val="65000"/>
+                  <a:lumOff val="35000"/>
+                </a:schemeClr>
+              </a:solidFill>
+            </a:endParaRPr>
+          </a:p>
+          <a:p>
             <a:pPr marL="0" indent="0">
               <a:buNone/>
             </a:pPr>
@@ -3802,7 +3825,7 @@
     </p:spTree>
     <p:extLst>
       <p:ext uri="{BB962C8B-B14F-4D97-AF65-F5344CB8AC3E}">
-        <p14:creationId xmlns="" xmlns:p14="http://schemas.microsoft.com/office/powerpoint/2010/main" val="2759376095"/>
+        <p14:creationId xmlns:p14="http://schemas.microsoft.com/office/powerpoint/2010/main" xmlns="" val="2759376095"/>
       </p:ext>
     </p:extLst>
   </p:cSld>
@@ -3848,7 +3871,11 @@
           <a:p>
             <a:r>
               <a:rPr lang="ru-RU" dirty="0" smtClean="0"/>
-              <a:t>Результат анализа данных</a:t>
+              <a:t>Результат </a:t>
+            </a:r>
+            <a:r>
+              <a:rPr lang="ru-RU" dirty="0" smtClean="0"/>
+              <a:t>анализа данных</a:t>
             </a:r>
             <a:endParaRPr lang="ru-RU" dirty="0"/>
           </a:p>
@@ -3880,10 +3907,8 @@
                   </a:schemeClr>
                 </a:solidFill>
               </a:rPr>
-              <a:t>Средний размер годового дохода сотрудников всех анализируемых департаментов составил 158500</a:t>
-            </a:r>
-          </a:p>
-          <a:p>
+              <a:t>Средний размер годового дохода </a:t>
+            </a:r>
             <a:r>
               <a:rPr lang="ru-RU" sz="2400" i="1" dirty="0" smtClean="0">
                 <a:solidFill>
@@ -3893,10 +3918,8 @@
                   </a:schemeClr>
                 </a:solidFill>
               </a:rPr>
-              <a:t>У сотрудников пожарного департамента суммарный доход на сотрудника выше, чем у департаментов полиции и медицины. В основном это из-за выплат за сверхурочные работы, т.к. базовые оклады пожарников и полицейских практически равны</a:t>
-            </a:r>
-          </a:p>
-          <a:p>
+              <a:t>сотрудника </a:t>
+            </a:r>
             <a:r>
               <a:rPr lang="ru-RU" sz="2400" i="1" dirty="0" smtClean="0">
                 <a:solidFill>
@@ -3906,10 +3929,8 @@
                   </a:schemeClr>
                 </a:solidFill>
               </a:rPr>
-              <a:t>Доход на одного сотрудника департамента медицины меньше в 2 раза чем у полицейских и в 2.5 раза по сравнению с пожарными</a:t>
-            </a:r>
-          </a:p>
-          <a:p>
+              <a:t>всех анализируемых </a:t>
+            </a:r>
             <a:r>
               <a:rPr lang="ru-RU" sz="2400" i="1" dirty="0" smtClean="0">
                 <a:solidFill>
@@ -3919,10 +3940,8 @@
                   </a:schemeClr>
                 </a:solidFill>
               </a:rPr>
-              <a:t>Выплаты за сверхурочные работы в департаменте медицины отсутствуют</a:t>
-            </a:r>
-          </a:p>
-          <a:p>
+              <a:t>департаментов </a:t>
+            </a:r>
             <a:r>
               <a:rPr lang="ru-RU" sz="2400" i="1" dirty="0" smtClean="0">
                 <a:solidFill>
@@ -3932,7 +3951,7 @@
                   </a:schemeClr>
                 </a:solidFill>
               </a:rPr>
-              <a:t>Самый </a:t>
+              <a:t>составил </a:t>
             </a:r>
             <a:r>
               <a:rPr lang="ru-RU" sz="2400" i="1" dirty="0" smtClean="0">
@@ -3943,20 +3962,18 @@
                   </a:schemeClr>
                 </a:solidFill>
               </a:rPr>
-              <a:t>многочисленный – департамент полиции и он же в совокупности предполагает наибольшие затраты на его содержание</a:t>
-            </a:r>
-          </a:p>
-          <a:p>
-            <a:r>
-              <a:rPr lang="ru-RU" sz="2400" i="1" dirty="0" smtClean="0">
-                <a:solidFill>
-                  <a:schemeClr val="tx1">
-                    <a:lumMod val="65000"/>
-                    <a:lumOff val="35000"/>
-                  </a:schemeClr>
-                </a:solidFill>
-              </a:rPr>
-              <a:t>Всех меньше сотрудников в медицинском департаменте и затрат на его содержание от 8 до 10 раз меньше, чем на содержание полиции</a:t>
+              <a:t>158500 </a:t>
+            </a:r>
+            <a:r>
+              <a:rPr lang="en-US" sz="2400" i="1" dirty="0" smtClean="0">
+                <a:solidFill>
+                  <a:schemeClr val="tx1">
+                    <a:lumMod val="65000"/>
+                    <a:lumOff val="35000"/>
+                  </a:schemeClr>
+                </a:solidFill>
+              </a:rPr>
+              <a:t>$</a:t>
             </a:r>
             <a:endParaRPr lang="ru-RU" sz="2400" i="1" dirty="0" smtClean="0">
               <a:solidFill>
@@ -3967,12 +3984,173 @@
               </a:solidFill>
             </a:endParaRPr>
           </a:p>
+          <a:p>
+            <a:r>
+              <a:rPr lang="ru-RU" sz="2400" i="1" dirty="0" smtClean="0">
+                <a:solidFill>
+                  <a:schemeClr val="tx1">
+                    <a:lumMod val="65000"/>
+                    <a:lumOff val="35000"/>
+                  </a:schemeClr>
+                </a:solidFill>
+              </a:rPr>
+              <a:t>У сотрудников пожарного департамента суммарный доход на сотрудника выше, чем у департаментов полиции и медицины. В основном это из-за выплат за сверхурочные работы, т.к. базовые оклады пожарников и полицейских практически равны</a:t>
+            </a:r>
+          </a:p>
+          <a:p>
+            <a:r>
+              <a:rPr lang="ru-RU" sz="2400" i="1" dirty="0" smtClean="0">
+                <a:solidFill>
+                  <a:schemeClr val="tx1">
+                    <a:lumMod val="65000"/>
+                    <a:lumOff val="35000"/>
+                  </a:schemeClr>
+                </a:solidFill>
+              </a:rPr>
+              <a:t>Доход на одного сотрудника департамента медицины меньше в 2 раза чем у полицейских и в 2.5 раза по сравнению с пожарными</a:t>
+            </a:r>
+          </a:p>
+          <a:p>
+            <a:r>
+              <a:rPr lang="ru-RU" sz="2400" i="1" dirty="0" smtClean="0">
+                <a:solidFill>
+                  <a:schemeClr val="tx1">
+                    <a:lumMod val="65000"/>
+                    <a:lumOff val="35000"/>
+                  </a:schemeClr>
+                </a:solidFill>
+              </a:rPr>
+              <a:t>Выплаты за сверхурочные работы в департаменте медицины отсутствуют</a:t>
+            </a:r>
+          </a:p>
+          <a:p>
+            <a:r>
+              <a:rPr lang="ru-RU" sz="2400" i="1" dirty="0" smtClean="0">
+                <a:solidFill>
+                  <a:schemeClr val="tx1">
+                    <a:lumMod val="65000"/>
+                    <a:lumOff val="35000"/>
+                  </a:schemeClr>
+                </a:solidFill>
+              </a:rPr>
+              <a:t>Самый многочисленный – департамент полиции </a:t>
+            </a:r>
+            <a:r>
+              <a:rPr lang="ru-RU" sz="2400" i="1" dirty="0" smtClean="0">
+                <a:solidFill>
+                  <a:schemeClr val="tx1">
+                    <a:lumMod val="65000"/>
+                    <a:lumOff val="35000"/>
+                  </a:schemeClr>
+                </a:solidFill>
+              </a:rPr>
+              <a:t>и</a:t>
+            </a:r>
+            <a:r>
+              <a:rPr lang="en-US" sz="2400" i="1" dirty="0" smtClean="0">
+                <a:solidFill>
+                  <a:schemeClr val="tx1">
+                    <a:lumMod val="65000"/>
+                    <a:lumOff val="35000"/>
+                  </a:schemeClr>
+                </a:solidFill>
+              </a:rPr>
+              <a:t> </a:t>
+            </a:r>
+            <a:r>
+              <a:rPr lang="ru-RU" sz="2400" i="1" dirty="0" smtClean="0">
+                <a:solidFill>
+                  <a:schemeClr val="tx1">
+                    <a:lumMod val="65000"/>
+                    <a:lumOff val="35000"/>
+                  </a:schemeClr>
+                </a:solidFill>
+              </a:rPr>
+              <a:t>затраты на его содержание </a:t>
+            </a:r>
+            <a:r>
+              <a:rPr lang="ru-RU" sz="2400" i="1" dirty="0" smtClean="0">
+                <a:solidFill>
+                  <a:schemeClr val="tx1">
+                    <a:lumMod val="65000"/>
+                    <a:lumOff val="35000"/>
+                  </a:schemeClr>
+                </a:solidFill>
+              </a:rPr>
+              <a:t>наибольшие по сравнению с другими департаментами</a:t>
+            </a:r>
+            <a:endParaRPr lang="ru-RU" sz="2400" i="1" dirty="0" smtClean="0">
+              <a:solidFill>
+                <a:schemeClr val="tx1">
+                  <a:lumMod val="65000"/>
+                  <a:lumOff val="35000"/>
+                </a:schemeClr>
+              </a:solidFill>
+            </a:endParaRPr>
+          </a:p>
+          <a:p>
+            <a:r>
+              <a:rPr lang="ru-RU" sz="2400" i="1" dirty="0" smtClean="0">
+                <a:solidFill>
+                  <a:schemeClr val="tx1">
+                    <a:lumMod val="65000"/>
+                    <a:lumOff val="35000"/>
+                  </a:schemeClr>
+                </a:solidFill>
+              </a:rPr>
+              <a:t>Всех меньше сотрудников в медицинском департаменте и </a:t>
+            </a:r>
+            <a:r>
+              <a:rPr lang="ru-RU" sz="2400" i="1" dirty="0" smtClean="0">
+                <a:solidFill>
+                  <a:schemeClr val="tx1">
+                    <a:lumMod val="65000"/>
+                    <a:lumOff val="35000"/>
+                  </a:schemeClr>
+                </a:solidFill>
+              </a:rPr>
+              <a:t>затраты </a:t>
+            </a:r>
+            <a:r>
+              <a:rPr lang="ru-RU" sz="2400" i="1" dirty="0" smtClean="0">
+                <a:solidFill>
+                  <a:schemeClr val="tx1">
+                    <a:lumMod val="65000"/>
+                    <a:lumOff val="35000"/>
+                  </a:schemeClr>
+                </a:solidFill>
+              </a:rPr>
+              <a:t>на его содержание от 8 до 10 </a:t>
+            </a:r>
+            <a:r>
+              <a:rPr lang="ru-RU" sz="2400" i="1" dirty="0" smtClean="0">
+                <a:solidFill>
+                  <a:schemeClr val="tx1">
+                    <a:lumMod val="65000"/>
+                    <a:lumOff val="35000"/>
+                  </a:schemeClr>
+                </a:solidFill>
+              </a:rPr>
+              <a:t>раз (по годам) </a:t>
+            </a:r>
+            <a:r>
+              <a:rPr lang="ru-RU" sz="2400" i="1" dirty="0" smtClean="0">
+                <a:solidFill>
+                  <a:schemeClr val="tx1">
+                    <a:lumMod val="65000"/>
+                    <a:lumOff val="35000"/>
+                  </a:schemeClr>
+                </a:solidFill>
+              </a:rPr>
+              <a:t>меньше, чем на содержание полиции</a:t>
+            </a:r>
+          </a:p>
         </p:txBody>
       </p:sp>
     </p:spTree>
     <p:extLst>
       <p:ext uri="{BB962C8B-B14F-4D97-AF65-F5344CB8AC3E}">
-        <p14:creationId xmlns="" xmlns:p14="http://schemas.microsoft.com/office/powerpoint/2010/main" val="376533900"/>
+        <p14:creationId xmlns:p14="http://schemas.microsoft.com/office/powerpoint/2010/main" xmlns="" val="376533900"/>
       </p:ext>
     </p:extLst>
   </p:cSld>
@@ -4030,11 +4208,7 @@
           <a:p>
             <a:r>
               <a:rPr lang="ru-RU" dirty="0" smtClean="0"/>
-              <a:t>Результат анализа </a:t>
-            </a:r>
-            <a:r>
-              <a:rPr lang="ru-RU" dirty="0" smtClean="0"/>
-              <a:t>данных</a:t>
+              <a:t>Результат анализа данных</a:t>
             </a:r>
             <a:endParaRPr lang="ru-RU" dirty="0"/>
           </a:p>
@@ -4173,7 +4347,7 @@
     </p:spTree>
     <p:extLst>
       <p:ext uri="{BB962C8B-B14F-4D97-AF65-F5344CB8AC3E}">
-        <p14:creationId xmlns="" xmlns:p14="http://schemas.microsoft.com/office/powerpoint/2010/main" val="376533900"/>
+        <p14:creationId xmlns:p14="http://schemas.microsoft.com/office/powerpoint/2010/main" xmlns="" val="376533900"/>
       </p:ext>
     </p:extLst>
   </p:cSld>
@@ -4269,7 +4443,7 @@
     </p:spTree>
     <p:extLst>
       <p:ext uri="{BB962C8B-B14F-4D97-AF65-F5344CB8AC3E}">
-        <p14:creationId xmlns="" xmlns:p14="http://schemas.microsoft.com/office/powerpoint/2010/main" val="376533900"/>
+        <p14:creationId xmlns:p14="http://schemas.microsoft.com/office/powerpoint/2010/main" xmlns="" val="376533900"/>
       </p:ext>
     </p:extLst>
   </p:cSld>
@@ -4370,14 +4544,6 @@
               </a:rPr>
               <a:t> – очистка данных и их группировка для построения графиков</a:t>
             </a:r>
-            <a:endParaRPr lang="ru-RU" i="1" dirty="0" smtClean="0">
-              <a:solidFill>
-                <a:schemeClr val="tx1">
-                  <a:lumMod val="65000"/>
-                  <a:lumOff val="35000"/>
-                </a:schemeClr>
-              </a:solidFill>
-            </a:endParaRPr>
           </a:p>
           <a:p>
             <a:r>
@@ -4501,14 +4667,6 @@
               </a:rPr>
               <a:t>log()</a:t>
             </a:r>
-            <a:endParaRPr lang="en-US" i="1" dirty="0" smtClean="0">
-              <a:solidFill>
-                <a:schemeClr val="tx1">
-                  <a:lumMod val="65000"/>
-                  <a:lumOff val="35000"/>
-                </a:schemeClr>
-              </a:solidFill>
-            </a:endParaRPr>
           </a:p>
           <a:p>
             <a:r>
@@ -4547,7 +4705,7 @@
     </p:spTree>
     <p:extLst>
       <p:ext uri="{BB962C8B-B14F-4D97-AF65-F5344CB8AC3E}">
-        <p14:creationId xmlns="" xmlns:p14="http://schemas.microsoft.com/office/powerpoint/2010/main" val="32908407"/>
+        <p14:creationId xmlns:p14="http://schemas.microsoft.com/office/powerpoint/2010/main" xmlns="" val="32908407"/>
       </p:ext>
     </p:extLst>
   </p:cSld>
@@ -4605,15 +4763,19 @@
           <a:p>
             <a:r>
               <a:rPr lang="ru-RU" sz="3600" dirty="0" smtClean="0"/>
-              <a:t>Проблемы возникшие в процессе </a:t>
+              <a:t>В</a:t>
             </a:r>
             <a:r>
               <a:rPr lang="ru-RU" sz="3600" dirty="0" smtClean="0"/>
-              <a:t>анализа </a:t>
+              <a:t>озникшие </a:t>
             </a:r>
             <a:r>
               <a:rPr lang="ru-RU" sz="3600" dirty="0" smtClean="0"/>
-              <a:t>данных </a:t>
+              <a:t>проблемы </a:t>
+            </a:r>
+            <a:r>
+              <a:rPr lang="ru-RU" sz="3600" dirty="0" smtClean="0"/>
+              <a:t>в процессе анализа данных </a:t>
             </a:r>
             <a:endParaRPr lang="ru-RU" sz="3600" dirty="0"/>
           </a:p>
@@ -4643,10 +4805,8 @@
                   </a:schemeClr>
                 </a:solidFill>
               </a:rPr>
-              <a:t>Было очень много пропусков</a:t>
-            </a:r>
-          </a:p>
-          <a:p>
+              <a:t>Было очень много </a:t>
+            </a:r>
             <a:r>
               <a:rPr lang="ru-RU" i="1" dirty="0" smtClean="0">
                 <a:solidFill>
@@ -4656,10 +4816,19 @@
                   </a:schemeClr>
                 </a:solidFill>
               </a:rPr>
-              <a:t>Среди цифровых значений в столбце встречались буквенные</a:t>
-            </a:r>
-          </a:p>
-          <a:p>
+              <a:t>пропусков в исходных данных (</a:t>
+            </a:r>
+            <a:r>
+              <a:rPr lang="en-US" i="1" dirty="0" err="1" smtClean="0">
+                <a:solidFill>
+                  <a:schemeClr val="tx1">
+                    <a:lumMod val="65000"/>
+                    <a:lumOff val="35000"/>
+                  </a:schemeClr>
+                </a:solidFill>
+              </a:rPr>
+              <a:t>NaN</a:t>
+            </a:r>
             <a:r>
               <a:rPr lang="ru-RU" i="1" dirty="0" smtClean="0">
                 <a:solidFill>
@@ -4669,58 +4838,8 @@
                   </a:schemeClr>
                 </a:solidFill>
               </a:rPr>
-              <a:t>Нужно было классифицировать должности по департаментам</a:t>
-            </a:r>
-          </a:p>
-          <a:p>
-            <a:r>
-              <a:rPr lang="ru-RU" i="1" dirty="0" smtClean="0">
-                <a:solidFill>
-                  <a:schemeClr val="tx1">
-                    <a:lumMod val="65000"/>
-                    <a:lumOff val="35000"/>
-                  </a:schemeClr>
-                </a:solidFill>
-              </a:rPr>
-              <a:t>На шкале «</a:t>
-            </a:r>
-            <a:r>
-              <a:rPr lang="en-US" i="1" dirty="0" smtClean="0">
-                <a:solidFill>
-                  <a:schemeClr val="tx1">
-                    <a:lumMod val="65000"/>
-                    <a:lumOff val="35000"/>
-                  </a:schemeClr>
-                </a:solidFill>
-              </a:rPr>
-              <a:t>X</a:t>
-            </a:r>
-            <a:r>
-              <a:rPr lang="ru-RU" i="1" dirty="0" smtClean="0">
-                <a:solidFill>
-                  <a:schemeClr val="tx1">
-                    <a:lumMod val="65000"/>
-                    <a:lumOff val="35000"/>
-                  </a:schemeClr>
-                </a:solidFill>
-              </a:rPr>
-              <a:t>» графиков где отображались года нужно было показать только 4  или 5 лет без половинчатых значений</a:t>
-            </a:r>
-          </a:p>
-          <a:p>
-            <a:r>
-              <a:rPr lang="ru-RU" i="1" dirty="0" smtClean="0">
-                <a:solidFill>
-                  <a:schemeClr val="tx1">
-                    <a:lumMod val="65000"/>
-                    <a:lumOff val="35000"/>
-                  </a:schemeClr>
-                </a:solidFill>
-              </a:rPr>
-              <a:t>Формирование моделей по очень малому количеству данных</a:t>
-            </a:r>
-          </a:p>
-          <a:p>
+              <a:t>)</a:t>
+            </a:r>
             <a:endParaRPr lang="ru-RU" i="1" dirty="0" smtClean="0">
               <a:solidFill>
                 <a:schemeClr val="tx1">
@@ -4731,6 +4850,188 @@
             </a:endParaRPr>
           </a:p>
           <a:p>
+            <a:r>
+              <a:rPr lang="ru-RU" i="1" dirty="0" smtClean="0">
+                <a:solidFill>
+                  <a:schemeClr val="tx1">
+                    <a:lumMod val="65000"/>
+                    <a:lumOff val="35000"/>
+                  </a:schemeClr>
+                </a:solidFill>
+              </a:rPr>
+              <a:t>Среди цифровых значений в столбце встречались буквенные</a:t>
+            </a:r>
+          </a:p>
+          <a:p>
+            <a:r>
+              <a:rPr lang="ru-RU" i="1" dirty="0" smtClean="0">
+                <a:solidFill>
+                  <a:schemeClr val="tx1">
+                    <a:lumMod val="65000"/>
+                    <a:lumOff val="35000"/>
+                  </a:schemeClr>
+                </a:solidFill>
+              </a:rPr>
+              <a:t>Нужно было классифицировать должности по департаментам</a:t>
+            </a:r>
+          </a:p>
+          <a:p>
+            <a:r>
+              <a:rPr lang="ru-RU" i="1" dirty="0" smtClean="0">
+                <a:solidFill>
+                  <a:schemeClr val="tx1">
+                    <a:lumMod val="65000"/>
+                    <a:lumOff val="35000"/>
+                  </a:schemeClr>
+                </a:solidFill>
+              </a:rPr>
+              <a:t>На шкале «</a:t>
+            </a:r>
+            <a:r>
+              <a:rPr lang="en-US" i="1" dirty="0" smtClean="0">
+                <a:solidFill>
+                  <a:schemeClr val="tx1">
+                    <a:lumMod val="65000"/>
+                    <a:lumOff val="35000"/>
+                  </a:schemeClr>
+                </a:solidFill>
+              </a:rPr>
+              <a:t>X</a:t>
+            </a:r>
+            <a:r>
+              <a:rPr lang="ru-RU" i="1" dirty="0" smtClean="0">
+                <a:solidFill>
+                  <a:schemeClr val="tx1">
+                    <a:lumMod val="65000"/>
+                    <a:lumOff val="35000"/>
+                  </a:schemeClr>
+                </a:solidFill>
+              </a:rPr>
+              <a:t>» </a:t>
+            </a:r>
+            <a:r>
+              <a:rPr lang="ru-RU" i="1" dirty="0" smtClean="0">
+                <a:solidFill>
+                  <a:schemeClr val="tx1">
+                    <a:lumMod val="65000"/>
+                    <a:lumOff val="35000"/>
+                  </a:schemeClr>
+                </a:solidFill>
+              </a:rPr>
+              <a:t>графиков</a:t>
+            </a:r>
+            <a:r>
+              <a:rPr lang="en-US" i="1" dirty="0" smtClean="0">
+                <a:solidFill>
+                  <a:schemeClr val="tx1">
+                    <a:lumMod val="65000"/>
+                    <a:lumOff val="35000"/>
+                  </a:schemeClr>
+                </a:solidFill>
+              </a:rPr>
+              <a:t>,</a:t>
+            </a:r>
+            <a:r>
+              <a:rPr lang="ru-RU" i="1" dirty="0" smtClean="0">
+                <a:solidFill>
+                  <a:schemeClr val="tx1">
+                    <a:lumMod val="65000"/>
+                    <a:lumOff val="35000"/>
+                  </a:schemeClr>
+                </a:solidFill>
+              </a:rPr>
+              <a:t> </a:t>
+            </a:r>
+            <a:r>
+              <a:rPr lang="ru-RU" i="1" dirty="0" smtClean="0">
+                <a:solidFill>
+                  <a:schemeClr val="tx1">
+                    <a:lumMod val="65000"/>
+                    <a:lumOff val="35000"/>
+                  </a:schemeClr>
+                </a:solidFill>
+              </a:rPr>
+              <a:t>где отображались </a:t>
+            </a:r>
+            <a:r>
+              <a:rPr lang="ru-RU" i="1" dirty="0" smtClean="0">
+                <a:solidFill>
+                  <a:schemeClr val="tx1">
+                    <a:lumMod val="65000"/>
+                    <a:lumOff val="35000"/>
+                  </a:schemeClr>
+                </a:solidFill>
+              </a:rPr>
+              <a:t>года</a:t>
+            </a:r>
+            <a:r>
+              <a:rPr lang="en-US" i="1" dirty="0" smtClean="0">
+                <a:solidFill>
+                  <a:schemeClr val="tx1">
+                    <a:lumMod val="65000"/>
+                    <a:lumOff val="35000"/>
+                  </a:schemeClr>
+                </a:solidFill>
+              </a:rPr>
+              <a:t>,</a:t>
+            </a:r>
+            <a:r>
+              <a:rPr lang="ru-RU" i="1" dirty="0" smtClean="0">
+                <a:solidFill>
+                  <a:schemeClr val="tx1">
+                    <a:lumMod val="65000"/>
+                    <a:lumOff val="35000"/>
+                  </a:schemeClr>
+                </a:solidFill>
+              </a:rPr>
+              <a:t> </a:t>
+            </a:r>
+            <a:r>
+              <a:rPr lang="ru-RU" i="1" dirty="0" smtClean="0">
+                <a:solidFill>
+                  <a:schemeClr val="tx1">
+                    <a:lumMod val="65000"/>
+                    <a:lumOff val="35000"/>
+                  </a:schemeClr>
+                </a:solidFill>
+              </a:rPr>
+              <a:t>нужно было показать только 4  или 5 лет без половинчатых значений</a:t>
+            </a:r>
+          </a:p>
+          <a:p>
+            <a:r>
+              <a:rPr lang="en-US" i="1" dirty="0" smtClean="0">
+                <a:solidFill>
+                  <a:schemeClr val="tx1">
+                    <a:lumMod val="65000"/>
+                    <a:lumOff val="35000"/>
+                  </a:schemeClr>
+                </a:solidFill>
+              </a:rPr>
+              <a:t> </a:t>
+            </a:r>
+            <a:r>
+              <a:rPr lang="ru-RU" i="1" dirty="0" smtClean="0">
+                <a:solidFill>
+                  <a:schemeClr val="tx1">
+                    <a:lumMod val="65000"/>
+                    <a:lumOff val="35000"/>
+                  </a:schemeClr>
+                </a:solidFill>
+              </a:rPr>
+              <a:t>Недостаточное количество данных для формирование </a:t>
+            </a:r>
+            <a:r>
+              <a:rPr lang="ru-RU" i="1" smtClean="0">
+                <a:solidFill>
+                  <a:schemeClr val="tx1">
+                    <a:lumMod val="65000"/>
+                    <a:lumOff val="35000"/>
+                  </a:schemeClr>
+                </a:solidFill>
+              </a:rPr>
+              <a:t>качественных моделей</a:t>
+            </a:r>
             <a:endParaRPr lang="ru-RU" i="1" dirty="0" smtClean="0">
               <a:solidFill>
                 <a:schemeClr val="tx1">
@@ -4740,12 +5041,22 @@
               </a:solidFill>
             </a:endParaRPr>
           </a:p>
+          <a:p>
+            <a:endParaRPr lang="ru-RU" i="1" dirty="0" smtClean="0">
+              <a:solidFill>
+                <a:schemeClr val="tx1">
+                  <a:lumMod val="65000"/>
+                  <a:lumOff val="35000"/>
+                </a:schemeClr>
+              </a:solidFill>
+            </a:endParaRPr>
+          </a:p>
         </p:txBody>
       </p:sp>
     </p:spTree>
     <p:extLst>
       <p:ext uri="{BB962C8B-B14F-4D97-AF65-F5344CB8AC3E}">
-        <p14:creationId xmlns="" xmlns:p14="http://schemas.microsoft.com/office/powerpoint/2010/main" val="376533900"/>
+        <p14:creationId xmlns:p14="http://schemas.microsoft.com/office/powerpoint/2010/main" xmlns="" val="376533900"/>
       </p:ext>
     </p:extLst>
   </p:cSld>
@@ -5010,7 +5321,7 @@
   <a:extraClrSchemeLst/>
   <a:extLst>
     <a:ext uri="{05A4C25C-085E-4340-85A3-A5531E510DB2}">
-      <thm15:themeFamily xmlns="" xmlns:thm15="http://schemas.microsoft.com/office/thememl/2012/main" name="Office Theme" id="{62F939B6-93AF-4DB8-9C6B-D6C7DFDC589F}" vid="{4A3C46E8-61CC-4603-A589-7422A47A8E4A}"/>
+      <thm15:themeFamily xmlns:thm15="http://schemas.microsoft.com/office/thememl/2012/main" xmlns="" name="Office Theme" id="{62F939B6-93AF-4DB8-9C6B-D6C7DFDC589F}" vid="{4A3C46E8-61CC-4603-A589-7422A47A8E4A}"/>
     </a:ext>
   </a:extLst>
 </a:theme>
